--- a/CodeMania_2025_ByteForge.pptx
+++ b/CodeMania_2025_ByteForge.pptx
@@ -12,21 +12,22 @@
     <p:sldId id="260" r:id="rId6"/>
     <p:sldId id="261" r:id="rId7"/>
     <p:sldId id="262" r:id="rId8"/>
-    <p:sldId id="264" r:id="rId9"/>
-    <p:sldId id="266" r:id="rId10"/>
+    <p:sldId id="267" r:id="rId9"/>
+    <p:sldId id="264" r:id="rId10"/>
+    <p:sldId id="266" r:id="rId11"/>
   </p:sldIdLst>
   <p:sldSz cx="18288000" cy="10287000"/>
   <p:notesSz cx="6858000" cy="9144000"/>
   <p:embeddedFontLst>
     <p:embeddedFont>
       <p:font typeface="Fira Code" panose="020B0809050000020004" pitchFamily="49" charset="0"/>
-      <p:regular r:id="rId11"/>
-      <p:bold r:id="rId12"/>
+      <p:regular r:id="rId12"/>
+      <p:bold r:id="rId13"/>
     </p:embeddedFont>
     <p:embeddedFont>
       <p:font typeface="Poppins Semi-Bold" pitchFamily="2" charset="77"/>
-      <p:regular r:id="rId13"/>
-      <p:bold r:id="rId14"/>
+      <p:regular r:id="rId14"/>
+      <p:bold r:id="rId15"/>
     </p:embeddedFont>
   </p:embeddedFontLst>
   <p:defaultTextStyle>
@@ -3095,6 +3096,13 @@
             </a:stretch>
           </a:blipFill>
         </p:spPr>
+        <p:txBody>
+          <a:bodyPr/>
+          <a:lstStyle/>
+          <a:p>
+            <a:endParaRPr lang="en-US"/>
+          </a:p>
+        </p:txBody>
       </p:sp>
       <p:sp>
         <p:nvSpPr>
@@ -3141,6 +3149,13 @@
             </a:stretch>
           </a:blipFill>
         </p:spPr>
+        <p:txBody>
+          <a:bodyPr/>
+          <a:lstStyle/>
+          <a:p>
+            <a:endParaRPr lang="en-US"/>
+          </a:p>
+        </p:txBody>
       </p:sp>
       <p:sp>
         <p:nvSpPr>
@@ -3187,6 +3202,13 @@
             </a:stretch>
           </a:blipFill>
         </p:spPr>
+        <p:txBody>
+          <a:bodyPr/>
+          <a:lstStyle/>
+          <a:p>
+            <a:endParaRPr lang="en-US"/>
+          </a:p>
+        </p:txBody>
       </p:sp>
       <p:sp>
         <p:nvSpPr>
@@ -3640,6 +3662,13 @@
             </a:stretch>
           </a:blipFill>
         </p:spPr>
+        <p:txBody>
+          <a:bodyPr/>
+          <a:lstStyle/>
+          <a:p>
+            <a:endParaRPr lang="en-US"/>
+          </a:p>
+        </p:txBody>
       </p:sp>
       <p:sp>
         <p:nvSpPr>
@@ -3768,6 +3797,353 @@
 </p:sld>
 </file>
 
+<file path=ppt/slides/slide10.xml><?xml version="1.0" encoding="utf-8"?>
+<p:sld xmlns:a="http://schemas.openxmlformats.org/drawingml/2006/main" xmlns:r="http://schemas.openxmlformats.org/officeDocument/2006/relationships" xmlns:p="http://schemas.openxmlformats.org/presentationml/2006/main">
+  <p:cSld>
+    <p:spTree>
+      <p:nvGrpSpPr>
+        <p:cNvPr id="1" name="">
+          <a:extLst>
+            <a:ext uri="{FF2B5EF4-FFF2-40B4-BE49-F238E27FC236}">
+              <a16:creationId xmlns:a16="http://schemas.microsoft.com/office/drawing/2014/main" id="{DE28DDA2-EEC4-404B-9C89-5C059C0B45C2}"/>
+            </a:ext>
+          </a:extLst>
+        </p:cNvPr>
+        <p:cNvGrpSpPr/>
+        <p:nvPr/>
+      </p:nvGrpSpPr>
+      <p:grpSpPr>
+        <a:xfrm>
+          <a:off x="0" y="0"/>
+          <a:ext cx="0" cy="0"/>
+          <a:chOff x="0" y="0"/>
+          <a:chExt cx="0" cy="0"/>
+        </a:xfrm>
+      </p:grpSpPr>
+      <p:sp>
+        <p:nvSpPr>
+          <p:cNvPr id="2" name="Freeform 2">
+            <a:extLst>
+              <a:ext uri="{FF2B5EF4-FFF2-40B4-BE49-F238E27FC236}">
+                <a16:creationId xmlns:a16="http://schemas.microsoft.com/office/drawing/2014/main" id="{D769B348-217E-E797-130C-F16F25B8538B}"/>
+              </a:ext>
+            </a:extLst>
+          </p:cNvPr>
+          <p:cNvSpPr/>
+          <p:nvPr/>
+        </p:nvSpPr>
+        <p:spPr>
+          <a:xfrm>
+            <a:off x="0" y="0"/>
+            <a:ext cx="18288000" cy="10287000"/>
+          </a:xfrm>
+          <a:custGeom>
+            <a:avLst/>
+            <a:gdLst/>
+            <a:ahLst/>
+            <a:cxnLst/>
+            <a:rect l="l" t="t" r="r" b="b"/>
+            <a:pathLst>
+              <a:path w="18288000" h="10287000">
+                <a:moveTo>
+                  <a:pt x="0" y="0"/>
+                </a:moveTo>
+                <a:lnTo>
+                  <a:pt x="18288000" y="0"/>
+                </a:lnTo>
+                <a:lnTo>
+                  <a:pt x="18288000" y="10287000"/>
+                </a:lnTo>
+                <a:lnTo>
+                  <a:pt x="0" y="10287000"/>
+                </a:lnTo>
+                <a:lnTo>
+                  <a:pt x="0" y="0"/>
+                </a:lnTo>
+                <a:close/>
+              </a:path>
+            </a:pathLst>
+          </a:custGeom>
+          <a:blipFill>
+            <a:blip r:embed="rId2"/>
+            <a:stretch>
+              <a:fillRect t="-38888" b="-38888"/>
+            </a:stretch>
+          </a:blipFill>
+        </p:spPr>
+        <p:txBody>
+          <a:bodyPr/>
+          <a:lstStyle/>
+          <a:p>
+            <a:endParaRPr lang="en-US"/>
+          </a:p>
+        </p:txBody>
+      </p:sp>
+      <p:sp>
+        <p:nvSpPr>
+          <p:cNvPr id="3" name="Freeform 3">
+            <a:extLst>
+              <a:ext uri="{FF2B5EF4-FFF2-40B4-BE49-F238E27FC236}">
+                <a16:creationId xmlns:a16="http://schemas.microsoft.com/office/drawing/2014/main" id="{0A1B59B5-DE04-79DE-08FF-3F7FB02024BE}"/>
+              </a:ext>
+            </a:extLst>
+          </p:cNvPr>
+          <p:cNvSpPr/>
+          <p:nvPr/>
+        </p:nvSpPr>
+        <p:spPr>
+          <a:xfrm>
+            <a:off x="15910982" y="463512"/>
+            <a:ext cx="2113659" cy="1009272"/>
+          </a:xfrm>
+          <a:custGeom>
+            <a:avLst/>
+            <a:gdLst/>
+            <a:ahLst/>
+            <a:cxnLst/>
+            <a:rect l="l" t="t" r="r" b="b"/>
+            <a:pathLst>
+              <a:path w="2113659" h="1009272">
+                <a:moveTo>
+                  <a:pt x="0" y="0"/>
+                </a:moveTo>
+                <a:lnTo>
+                  <a:pt x="2113659" y="0"/>
+                </a:lnTo>
+                <a:lnTo>
+                  <a:pt x="2113659" y="1009272"/>
+                </a:lnTo>
+                <a:lnTo>
+                  <a:pt x="0" y="1009272"/>
+                </a:lnTo>
+                <a:lnTo>
+                  <a:pt x="0" y="0"/>
+                </a:lnTo>
+                <a:close/>
+              </a:path>
+            </a:pathLst>
+          </a:custGeom>
+          <a:blipFill>
+            <a:blip r:embed="rId3"/>
+            <a:stretch>
+              <a:fillRect/>
+            </a:stretch>
+          </a:blipFill>
+        </p:spPr>
+        <p:txBody>
+          <a:bodyPr/>
+          <a:lstStyle/>
+          <a:p>
+            <a:endParaRPr lang="en-US"/>
+          </a:p>
+        </p:txBody>
+      </p:sp>
+      <p:sp>
+        <p:nvSpPr>
+          <p:cNvPr id="4" name="Freeform 4">
+            <a:extLst>
+              <a:ext uri="{FF2B5EF4-FFF2-40B4-BE49-F238E27FC236}">
+                <a16:creationId xmlns:a16="http://schemas.microsoft.com/office/drawing/2014/main" id="{EB91F71E-1447-CAB0-8AD2-50F844B93928}"/>
+              </a:ext>
+            </a:extLst>
+          </p:cNvPr>
+          <p:cNvSpPr/>
+          <p:nvPr/>
+        </p:nvSpPr>
+        <p:spPr>
+          <a:xfrm>
+            <a:off x="45723" y="9692353"/>
+            <a:ext cx="18242277" cy="594647"/>
+          </a:xfrm>
+          <a:custGeom>
+            <a:avLst/>
+            <a:gdLst/>
+            <a:ahLst/>
+            <a:cxnLst/>
+            <a:rect l="l" t="t" r="r" b="b"/>
+            <a:pathLst>
+              <a:path w="18242277" h="594647">
+                <a:moveTo>
+                  <a:pt x="0" y="0"/>
+                </a:moveTo>
+                <a:lnTo>
+                  <a:pt x="18242277" y="0"/>
+                </a:lnTo>
+                <a:lnTo>
+                  <a:pt x="18242277" y="594647"/>
+                </a:lnTo>
+                <a:lnTo>
+                  <a:pt x="0" y="594647"/>
+                </a:lnTo>
+                <a:lnTo>
+                  <a:pt x="0" y="0"/>
+                </a:lnTo>
+                <a:close/>
+              </a:path>
+            </a:pathLst>
+          </a:custGeom>
+          <a:blipFill>
+            <a:blip r:embed="rId4"/>
+            <a:stretch>
+              <a:fillRect b="-34214"/>
+            </a:stretch>
+          </a:blipFill>
+        </p:spPr>
+        <p:txBody>
+          <a:bodyPr/>
+          <a:lstStyle/>
+          <a:p>
+            <a:endParaRPr lang="en-US"/>
+          </a:p>
+        </p:txBody>
+      </p:sp>
+      <p:sp>
+        <p:nvSpPr>
+          <p:cNvPr id="6" name="TextBox 6">
+            <a:extLst>
+              <a:ext uri="{FF2B5EF4-FFF2-40B4-BE49-F238E27FC236}">
+                <a16:creationId xmlns:a16="http://schemas.microsoft.com/office/drawing/2014/main" id="{035FE579-3280-DBFE-563B-88240D03C63D}"/>
+              </a:ext>
+            </a:extLst>
+          </p:cNvPr>
+          <p:cNvSpPr txBox="1"/>
+          <p:nvPr/>
+        </p:nvSpPr>
+        <p:spPr>
+          <a:xfrm>
+            <a:off x="16666900" y="9794298"/>
+            <a:ext cx="1621100" cy="333608"/>
+          </a:xfrm>
+          <a:prstGeom prst="rect">
+            <a:avLst/>
+          </a:prstGeom>
+        </p:spPr>
+        <p:txBody>
+          <a:bodyPr lIns="0" tIns="0" rIns="0" bIns="0" rtlCol="0" anchor="t">
+            <a:spAutoFit/>
+          </a:bodyPr>
+          <a:lstStyle/>
+          <a:p>
+            <a:pPr algn="l">
+              <a:lnSpc>
+                <a:spcPts val="2610"/>
+              </a:lnSpc>
+            </a:pPr>
+            <a:r>
+              <a:rPr lang="en-US" sz="1865" b="1" dirty="0">
+                <a:solidFill>
+                  <a:srgbClr val="F4E9EC"/>
+                </a:solidFill>
+                <a:latin typeface="Poppins Semi-Bold" panose="00000700000000000000"/>
+                <a:ea typeface="Poppins Semi-Bold" panose="00000700000000000000"/>
+                <a:cs typeface="Poppins Semi-Bold" panose="00000700000000000000"/>
+                <a:sym typeface="Poppins Semi-Bold" panose="00000700000000000000"/>
+              </a:rPr>
+              <a:t>Page 10</a:t>
+            </a:r>
+          </a:p>
+        </p:txBody>
+      </p:sp>
+      <p:sp>
+        <p:nvSpPr>
+          <p:cNvPr id="8" name="TextBox 8">
+            <a:extLst>
+              <a:ext uri="{FF2B5EF4-FFF2-40B4-BE49-F238E27FC236}">
+                <a16:creationId xmlns:a16="http://schemas.microsoft.com/office/drawing/2014/main" id="{2F8DB6AF-DB31-9CC8-0080-6D6DD0BEA309}"/>
+              </a:ext>
+            </a:extLst>
+          </p:cNvPr>
+          <p:cNvSpPr txBox="1"/>
+          <p:nvPr/>
+        </p:nvSpPr>
+        <p:spPr>
+          <a:xfrm>
+            <a:off x="3895355" y="9794298"/>
+            <a:ext cx="10491193" cy="333608"/>
+          </a:xfrm>
+          <a:prstGeom prst="rect">
+            <a:avLst/>
+          </a:prstGeom>
+        </p:spPr>
+        <p:txBody>
+          <a:bodyPr lIns="0" tIns="0" rIns="0" bIns="0" rtlCol="0" anchor="t">
+            <a:spAutoFit/>
+          </a:bodyPr>
+          <a:lstStyle/>
+          <a:p>
+            <a:pPr algn="ctr">
+              <a:lnSpc>
+                <a:spcPts val="2610"/>
+              </a:lnSpc>
+              <a:spcBef>
+                <a:spcPct val="0"/>
+              </a:spcBef>
+            </a:pPr>
+            <a:r>
+              <a:rPr lang="en-US" sz="1865" b="1">
+                <a:solidFill>
+                  <a:srgbClr val="F4E9EC"/>
+                </a:solidFill>
+                <a:latin typeface="Poppins Semi-Bold" panose="00000700000000000000"/>
+                <a:ea typeface="Poppins Semi-Bold" panose="00000700000000000000"/>
+                <a:cs typeface="Poppins Semi-Bold" panose="00000700000000000000"/>
+                <a:sym typeface="Poppins Semi-Bold" panose="00000700000000000000"/>
+              </a:rPr>
+              <a:t>Sri Indu College of Engg &amp; Tech - Cyber Club, Department of Cyber Security</a:t>
+            </a:r>
+          </a:p>
+        </p:txBody>
+      </p:sp>
+      <p:sp>
+        <p:nvSpPr>
+          <p:cNvPr id="5" name="TextBox 4">
+            <a:extLst>
+              <a:ext uri="{FF2B5EF4-FFF2-40B4-BE49-F238E27FC236}">
+                <a16:creationId xmlns:a16="http://schemas.microsoft.com/office/drawing/2014/main" id="{FA89ED80-F007-5671-1298-FA5E9934F044}"/>
+              </a:ext>
+            </a:extLst>
+          </p:cNvPr>
+          <p:cNvSpPr txBox="1"/>
+          <p:nvPr/>
+        </p:nvSpPr>
+        <p:spPr>
+          <a:xfrm>
+            <a:off x="3425951" y="3943171"/>
+            <a:ext cx="11430000" cy="2400657"/>
+          </a:xfrm>
+          <a:prstGeom prst="rect">
+            <a:avLst/>
+          </a:prstGeom>
+          <a:noFill/>
+        </p:spPr>
+        <p:txBody>
+          <a:bodyPr wrap="square" rtlCol="0">
+            <a:spAutoFit/>
+          </a:bodyPr>
+          <a:lstStyle/>
+          <a:p>
+            <a:r>
+              <a:rPr lang="en-US" sz="15000" dirty="0">
+                <a:latin typeface="Copperplate Gothic Bold" panose="020E0705020206020404" pitchFamily="34" charset="77"/>
+              </a:rPr>
+              <a:t>Thank You</a:t>
+            </a:r>
+          </a:p>
+        </p:txBody>
+      </p:sp>
+    </p:spTree>
+    <p:extLst>
+      <p:ext uri="{BB962C8B-B14F-4D97-AF65-F5344CB8AC3E}">
+        <p14:creationId xmlns:p14="http://schemas.microsoft.com/office/powerpoint/2010/main" val="3249463066"/>
+      </p:ext>
+    </p:extLst>
+  </p:cSld>
+  <p:clrMapOvr>
+    <a:masterClrMapping/>
+  </p:clrMapOvr>
+</p:sld>
+</file>
+
 <file path=ppt/slides/slide2.xml><?xml version="1.0" encoding="utf-8"?>
 <p:sld xmlns:a="http://schemas.openxmlformats.org/drawingml/2006/main" xmlns:r="http://schemas.openxmlformats.org/officeDocument/2006/relationships" xmlns:p="http://schemas.openxmlformats.org/presentationml/2006/main">
   <p:cSld>
@@ -3830,6 +4206,13 @@
             </a:stretch>
           </a:blipFill>
         </p:spPr>
+        <p:txBody>
+          <a:bodyPr/>
+          <a:lstStyle/>
+          <a:p>
+            <a:endParaRPr lang="en-US"/>
+          </a:p>
+        </p:txBody>
       </p:sp>
       <p:sp>
         <p:nvSpPr>
@@ -3876,6 +4259,13 @@
             </a:stretch>
           </a:blipFill>
         </p:spPr>
+        <p:txBody>
+          <a:bodyPr/>
+          <a:lstStyle/>
+          <a:p>
+            <a:endParaRPr lang="en-US"/>
+          </a:p>
+        </p:txBody>
       </p:sp>
       <p:sp>
         <p:nvSpPr>
@@ -4415,6 +4805,13 @@
             </a:stretch>
           </a:blipFill>
         </p:spPr>
+        <p:txBody>
+          <a:bodyPr/>
+          <a:lstStyle/>
+          <a:p>
+            <a:endParaRPr lang="en-US"/>
+          </a:p>
+        </p:txBody>
       </p:sp>
       <p:sp>
         <p:nvSpPr>
@@ -4544,6 +4941,13 @@
             </a:stretch>
           </a:blipFill>
         </p:spPr>
+        <p:txBody>
+          <a:bodyPr/>
+          <a:lstStyle/>
+          <a:p>
+            <a:endParaRPr lang="en-US"/>
+          </a:p>
+        </p:txBody>
       </p:sp>
       <p:sp>
         <p:nvSpPr>
@@ -9055,6 +9459,13 @@
             </a:stretch>
           </a:blipFill>
         </p:spPr>
+        <p:txBody>
+          <a:bodyPr/>
+          <a:lstStyle/>
+          <a:p>
+            <a:endParaRPr lang="en-US"/>
+          </a:p>
+        </p:txBody>
       </p:sp>
       <p:sp>
         <p:nvSpPr>
@@ -9101,6 +9512,13 @@
             </a:stretch>
           </a:blipFill>
         </p:spPr>
+        <p:txBody>
+          <a:bodyPr/>
+          <a:lstStyle/>
+          <a:p>
+            <a:endParaRPr lang="en-US"/>
+          </a:p>
+        </p:txBody>
       </p:sp>
       <p:sp>
         <p:nvSpPr>
@@ -9147,6 +9565,13 @@
             </a:stretch>
           </a:blipFill>
         </p:spPr>
+        <p:txBody>
+          <a:bodyPr/>
+          <a:lstStyle/>
+          <a:p>
+            <a:endParaRPr lang="en-US"/>
+          </a:p>
+        </p:txBody>
       </p:sp>
       <p:sp>
         <p:nvSpPr>
@@ -9637,6 +10062,13 @@
             </a:stretch>
           </a:blipFill>
         </p:spPr>
+        <p:txBody>
+          <a:bodyPr/>
+          <a:lstStyle/>
+          <a:p>
+            <a:endParaRPr lang="en-US"/>
+          </a:p>
+        </p:txBody>
       </p:sp>
       <p:sp>
         <p:nvSpPr>
@@ -9683,6 +10115,13 @@
             </a:stretch>
           </a:blipFill>
         </p:spPr>
+        <p:txBody>
+          <a:bodyPr/>
+          <a:lstStyle/>
+          <a:p>
+            <a:endParaRPr lang="en-US"/>
+          </a:p>
+        </p:txBody>
       </p:sp>
       <p:sp>
         <p:nvSpPr>
@@ -10084,6 +10523,13 @@
             </a:stretch>
           </a:blipFill>
         </p:spPr>
+        <p:txBody>
+          <a:bodyPr/>
+          <a:lstStyle/>
+          <a:p>
+            <a:endParaRPr lang="en-US"/>
+          </a:p>
+        </p:txBody>
       </p:sp>
       <p:sp>
         <p:nvSpPr>
@@ -10130,6 +10576,13 @@
             </a:stretch>
           </a:blipFill>
         </p:spPr>
+        <p:txBody>
+          <a:bodyPr/>
+          <a:lstStyle/>
+          <a:p>
+            <a:endParaRPr lang="en-US"/>
+          </a:p>
+        </p:txBody>
       </p:sp>
       <p:sp>
         <p:nvSpPr>
@@ -10176,6 +10629,13 @@
             </a:stretch>
           </a:blipFill>
         </p:spPr>
+        <p:txBody>
+          <a:bodyPr/>
+          <a:lstStyle/>
+          <a:p>
+            <a:endParaRPr lang="en-US"/>
+          </a:p>
+        </p:txBody>
       </p:sp>
       <p:sp>
         <p:nvSpPr>
@@ -10586,6 +11046,13 @@
             </a:stretch>
           </a:blipFill>
         </p:spPr>
+        <p:txBody>
+          <a:bodyPr/>
+          <a:lstStyle/>
+          <a:p>
+            <a:endParaRPr lang="en-US"/>
+          </a:p>
+        </p:txBody>
       </p:sp>
       <p:sp>
         <p:nvSpPr>
@@ -10632,6 +11099,13 @@
             </a:stretch>
           </a:blipFill>
         </p:spPr>
+        <p:txBody>
+          <a:bodyPr/>
+          <a:lstStyle/>
+          <a:p>
+            <a:endParaRPr lang="en-US"/>
+          </a:p>
+        </p:txBody>
       </p:sp>
       <p:sp>
         <p:nvSpPr>
@@ -10678,6 +11152,13 @@
             </a:stretch>
           </a:blipFill>
         </p:spPr>
+        <p:txBody>
+          <a:bodyPr/>
+          <a:lstStyle/>
+          <a:p>
+            <a:endParaRPr lang="en-US"/>
+          </a:p>
+        </p:txBody>
       </p:sp>
       <p:sp>
         <p:nvSpPr>
@@ -23601,6 +24082,459 @@
   <p:cSld>
     <p:spTree>
       <p:nvGrpSpPr>
+        <p:cNvPr id="1" name="">
+          <a:extLst>
+            <a:ext uri="{FF2B5EF4-FFF2-40B4-BE49-F238E27FC236}">
+              <a16:creationId xmlns:a16="http://schemas.microsoft.com/office/drawing/2014/main" id="{7FD64586-813C-716A-6A28-80232A6B8F1D}"/>
+            </a:ext>
+          </a:extLst>
+        </p:cNvPr>
+        <p:cNvGrpSpPr/>
+        <p:nvPr/>
+      </p:nvGrpSpPr>
+      <p:grpSpPr>
+        <a:xfrm>
+          <a:off x="0" y="0"/>
+          <a:ext cx="0" cy="0"/>
+          <a:chOff x="0" y="0"/>
+          <a:chExt cx="0" cy="0"/>
+        </a:xfrm>
+      </p:grpSpPr>
+      <p:sp>
+        <p:nvSpPr>
+          <p:cNvPr id="2" name="Freeform 2">
+            <a:extLst>
+              <a:ext uri="{FF2B5EF4-FFF2-40B4-BE49-F238E27FC236}">
+                <a16:creationId xmlns:a16="http://schemas.microsoft.com/office/drawing/2014/main" id="{214E73AC-A0B9-65C7-9566-E4945EC28A1C}"/>
+              </a:ext>
+            </a:extLst>
+          </p:cNvPr>
+          <p:cNvSpPr/>
+          <p:nvPr/>
+        </p:nvSpPr>
+        <p:spPr>
+          <a:xfrm>
+            <a:off x="0" y="0"/>
+            <a:ext cx="18288000" cy="10287000"/>
+          </a:xfrm>
+          <a:custGeom>
+            <a:avLst/>
+            <a:gdLst/>
+            <a:ahLst/>
+            <a:cxnLst/>
+            <a:rect l="l" t="t" r="r" b="b"/>
+            <a:pathLst>
+              <a:path w="18288000" h="10287000">
+                <a:moveTo>
+                  <a:pt x="0" y="0"/>
+                </a:moveTo>
+                <a:lnTo>
+                  <a:pt x="18288000" y="0"/>
+                </a:lnTo>
+                <a:lnTo>
+                  <a:pt x="18288000" y="10287000"/>
+                </a:lnTo>
+                <a:lnTo>
+                  <a:pt x="0" y="10287000"/>
+                </a:lnTo>
+                <a:lnTo>
+                  <a:pt x="0" y="0"/>
+                </a:lnTo>
+                <a:close/>
+              </a:path>
+            </a:pathLst>
+          </a:custGeom>
+          <a:blipFill>
+            <a:blip r:embed="rId2"/>
+            <a:stretch>
+              <a:fillRect t="-38888" b="-38888"/>
+            </a:stretch>
+          </a:blipFill>
+        </p:spPr>
+        <p:txBody>
+          <a:bodyPr/>
+          <a:lstStyle/>
+          <a:p>
+            <a:endParaRPr lang="en-US"/>
+          </a:p>
+        </p:txBody>
+      </p:sp>
+      <p:sp>
+        <p:nvSpPr>
+          <p:cNvPr id="3" name="Freeform 3">
+            <a:extLst>
+              <a:ext uri="{FF2B5EF4-FFF2-40B4-BE49-F238E27FC236}">
+                <a16:creationId xmlns:a16="http://schemas.microsoft.com/office/drawing/2014/main" id="{47C4AAC5-C2FA-DCE4-E577-8F5B2AA5D154}"/>
+              </a:ext>
+            </a:extLst>
+          </p:cNvPr>
+          <p:cNvSpPr/>
+          <p:nvPr/>
+        </p:nvSpPr>
+        <p:spPr>
+          <a:xfrm>
+            <a:off x="15910982" y="463512"/>
+            <a:ext cx="2113659" cy="1009272"/>
+          </a:xfrm>
+          <a:custGeom>
+            <a:avLst/>
+            <a:gdLst/>
+            <a:ahLst/>
+            <a:cxnLst/>
+            <a:rect l="l" t="t" r="r" b="b"/>
+            <a:pathLst>
+              <a:path w="2113659" h="1009272">
+                <a:moveTo>
+                  <a:pt x="0" y="0"/>
+                </a:moveTo>
+                <a:lnTo>
+                  <a:pt x="2113659" y="0"/>
+                </a:lnTo>
+                <a:lnTo>
+                  <a:pt x="2113659" y="1009272"/>
+                </a:lnTo>
+                <a:lnTo>
+                  <a:pt x="0" y="1009272"/>
+                </a:lnTo>
+                <a:lnTo>
+                  <a:pt x="0" y="0"/>
+                </a:lnTo>
+                <a:close/>
+              </a:path>
+            </a:pathLst>
+          </a:custGeom>
+          <a:blipFill>
+            <a:blip r:embed="rId3"/>
+            <a:stretch>
+              <a:fillRect/>
+            </a:stretch>
+          </a:blipFill>
+        </p:spPr>
+        <p:txBody>
+          <a:bodyPr/>
+          <a:lstStyle/>
+          <a:p>
+            <a:endParaRPr lang="en-US"/>
+          </a:p>
+        </p:txBody>
+      </p:sp>
+      <p:sp>
+        <p:nvSpPr>
+          <p:cNvPr id="4" name="Freeform 4">
+            <a:extLst>
+              <a:ext uri="{FF2B5EF4-FFF2-40B4-BE49-F238E27FC236}">
+                <a16:creationId xmlns:a16="http://schemas.microsoft.com/office/drawing/2014/main" id="{D5A77D6B-3E04-951C-D772-C806FDB155BD}"/>
+              </a:ext>
+            </a:extLst>
+          </p:cNvPr>
+          <p:cNvSpPr/>
+          <p:nvPr/>
+        </p:nvSpPr>
+        <p:spPr>
+          <a:xfrm>
+            <a:off x="45723" y="9692353"/>
+            <a:ext cx="18242277" cy="594647"/>
+          </a:xfrm>
+          <a:custGeom>
+            <a:avLst/>
+            <a:gdLst/>
+            <a:ahLst/>
+            <a:cxnLst/>
+            <a:rect l="l" t="t" r="r" b="b"/>
+            <a:pathLst>
+              <a:path w="18242277" h="594647">
+                <a:moveTo>
+                  <a:pt x="0" y="0"/>
+                </a:moveTo>
+                <a:lnTo>
+                  <a:pt x="18242277" y="0"/>
+                </a:lnTo>
+                <a:lnTo>
+                  <a:pt x="18242277" y="594647"/>
+                </a:lnTo>
+                <a:lnTo>
+                  <a:pt x="0" y="594647"/>
+                </a:lnTo>
+                <a:lnTo>
+                  <a:pt x="0" y="0"/>
+                </a:lnTo>
+                <a:close/>
+              </a:path>
+            </a:pathLst>
+          </a:custGeom>
+          <a:blipFill>
+            <a:blip r:embed="rId4"/>
+            <a:stretch>
+              <a:fillRect b="-34214"/>
+            </a:stretch>
+          </a:blipFill>
+        </p:spPr>
+        <p:txBody>
+          <a:bodyPr/>
+          <a:lstStyle/>
+          <a:p>
+            <a:endParaRPr lang="en-US"/>
+          </a:p>
+        </p:txBody>
+      </p:sp>
+      <p:sp>
+        <p:nvSpPr>
+          <p:cNvPr id="6" name="TextBox 6">
+            <a:extLst>
+              <a:ext uri="{FF2B5EF4-FFF2-40B4-BE49-F238E27FC236}">
+                <a16:creationId xmlns:a16="http://schemas.microsoft.com/office/drawing/2014/main" id="{AB5B202E-ACD4-2C2A-DF03-673B9EBF3E67}"/>
+              </a:ext>
+            </a:extLst>
+          </p:cNvPr>
+          <p:cNvSpPr txBox="1"/>
+          <p:nvPr/>
+        </p:nvSpPr>
+        <p:spPr>
+          <a:xfrm>
+            <a:off x="16666900" y="9794298"/>
+            <a:ext cx="1621100" cy="333608"/>
+          </a:xfrm>
+          <a:prstGeom prst="rect">
+            <a:avLst/>
+          </a:prstGeom>
+        </p:spPr>
+        <p:txBody>
+          <a:bodyPr lIns="0" tIns="0" rIns="0" bIns="0" rtlCol="0" anchor="t">
+            <a:spAutoFit/>
+          </a:bodyPr>
+          <a:lstStyle/>
+          <a:p>
+            <a:pPr algn="l">
+              <a:lnSpc>
+                <a:spcPts val="2610"/>
+              </a:lnSpc>
+            </a:pPr>
+            <a:r>
+              <a:rPr lang="en-US" sz="1865" b="1" dirty="0">
+                <a:solidFill>
+                  <a:srgbClr val="F4E9EC"/>
+                </a:solidFill>
+                <a:latin typeface="Poppins Semi-Bold" panose="00000700000000000000"/>
+                <a:ea typeface="Poppins Semi-Bold" panose="00000700000000000000"/>
+                <a:cs typeface="Poppins Semi-Bold" panose="00000700000000000000"/>
+                <a:sym typeface="Poppins Semi-Bold" panose="00000700000000000000"/>
+              </a:rPr>
+              <a:t>Page 08</a:t>
+            </a:r>
+          </a:p>
+        </p:txBody>
+      </p:sp>
+      <p:sp>
+        <p:nvSpPr>
+          <p:cNvPr id="7" name="TextBox 7">
+            <a:extLst>
+              <a:ext uri="{FF2B5EF4-FFF2-40B4-BE49-F238E27FC236}">
+                <a16:creationId xmlns:a16="http://schemas.microsoft.com/office/drawing/2014/main" id="{F408BF22-F387-DF03-928C-F29066BF1D2D}"/>
+              </a:ext>
+            </a:extLst>
+          </p:cNvPr>
+          <p:cNvSpPr txBox="1"/>
+          <p:nvPr/>
+        </p:nvSpPr>
+        <p:spPr>
+          <a:xfrm>
+            <a:off x="6858000" y="1472784"/>
+            <a:ext cx="4269964" cy="974626"/>
+          </a:xfrm>
+          <a:prstGeom prst="rect">
+            <a:avLst/>
+          </a:prstGeom>
+        </p:spPr>
+        <p:txBody>
+          <a:bodyPr wrap="square" lIns="0" tIns="0" rIns="0" bIns="0" rtlCol="0" anchor="t">
+            <a:spAutoFit/>
+          </a:bodyPr>
+          <a:lstStyle/>
+          <a:p>
+            <a:pPr algn="ctr">
+              <a:lnSpc>
+                <a:spcPts val="7615"/>
+              </a:lnSpc>
+              <a:spcBef>
+                <a:spcPct val="0"/>
+              </a:spcBef>
+            </a:pPr>
+            <a:r>
+              <a:rPr lang="en-US" sz="7200" b="1" dirty="0">
+                <a:solidFill>
+                  <a:srgbClr val="000000"/>
+                </a:solidFill>
+                <a:latin typeface="Copperplate Gothic Bold" panose="020E0705020206020404" pitchFamily="34" charset="77"/>
+                <a:ea typeface="Times New Roman Bold" panose="02030802070405020303"/>
+                <a:cs typeface="Times New Roman Bold" panose="02030802070405020303"/>
+                <a:sym typeface="Times New Roman Bold" panose="02030802070405020303"/>
+              </a:rPr>
+              <a:t>DEMO</a:t>
+            </a:r>
+          </a:p>
+        </p:txBody>
+      </p:sp>
+      <p:sp>
+        <p:nvSpPr>
+          <p:cNvPr id="8" name="TextBox 8">
+            <a:extLst>
+              <a:ext uri="{FF2B5EF4-FFF2-40B4-BE49-F238E27FC236}">
+                <a16:creationId xmlns:a16="http://schemas.microsoft.com/office/drawing/2014/main" id="{59EB71FF-C236-A925-8954-92E6C60A4D4C}"/>
+              </a:ext>
+            </a:extLst>
+          </p:cNvPr>
+          <p:cNvSpPr txBox="1"/>
+          <p:nvPr/>
+        </p:nvSpPr>
+        <p:spPr>
+          <a:xfrm>
+            <a:off x="3596330" y="9794298"/>
+            <a:ext cx="10206967" cy="333608"/>
+          </a:xfrm>
+          <a:prstGeom prst="rect">
+            <a:avLst/>
+          </a:prstGeom>
+        </p:spPr>
+        <p:txBody>
+          <a:bodyPr lIns="0" tIns="0" rIns="0" bIns="0" rtlCol="0" anchor="t">
+            <a:spAutoFit/>
+          </a:bodyPr>
+          <a:lstStyle/>
+          <a:p>
+            <a:pPr algn="ctr">
+              <a:lnSpc>
+                <a:spcPts val="2610"/>
+              </a:lnSpc>
+              <a:spcBef>
+                <a:spcPct val="0"/>
+              </a:spcBef>
+            </a:pPr>
+            <a:r>
+              <a:rPr lang="en-US" sz="1865" b="1">
+                <a:solidFill>
+                  <a:srgbClr val="F4E9EC"/>
+                </a:solidFill>
+                <a:latin typeface="Poppins Semi-Bold" panose="00000700000000000000"/>
+                <a:ea typeface="Poppins Semi-Bold" panose="00000700000000000000"/>
+                <a:cs typeface="Poppins Semi-Bold" panose="00000700000000000000"/>
+                <a:sym typeface="Poppins Semi-Bold" panose="00000700000000000000"/>
+              </a:rPr>
+              <a:t>Sri Indu College of Engg &amp; Tech - Cyber Club, Department of Cyber Security</a:t>
+            </a:r>
+          </a:p>
+        </p:txBody>
+      </p:sp>
+      <p:pic>
+        <p:nvPicPr>
+          <p:cNvPr id="1026" name="Picture 2" descr="Computer Cartoon Images – Browse 958,668 Stock Photos, Vectors, and Video |  Adobe Stock">
+            <a:hlinkClick r:id="rId5"/>
+            <a:extLst>
+              <a:ext uri="{FF2B5EF4-FFF2-40B4-BE49-F238E27FC236}">
+                <a16:creationId xmlns:a16="http://schemas.microsoft.com/office/drawing/2014/main" id="{49459DF6-F972-B6ED-7B45-0C84BB6A1F2B}"/>
+              </a:ext>
+            </a:extLst>
+          </p:cNvPr>
+          <p:cNvPicPr>
+            <a:picLocks noChangeAspect="1" noChangeArrowheads="1"/>
+          </p:cNvPicPr>
+          <p:nvPr/>
+        </p:nvPicPr>
+        <p:blipFill>
+          <a:blip r:embed="rId6">
+            <a:extLst>
+              <a:ext uri="{BEBA8EAE-BF5A-486C-A8C5-ECC9F3942E4B}">
+                <a14:imgProps xmlns:a14="http://schemas.microsoft.com/office/drawing/2010/main">
+                  <a14:imgLayer r:embed="rId7">
+                    <a14:imgEffect>
+                      <a14:backgroundRemoval t="10000" b="90000" l="10000" r="90000"/>
+                    </a14:imgEffect>
+                  </a14:imgLayer>
+                </a14:imgProps>
+              </a:ext>
+              <a:ext uri="{28A0092B-C50C-407E-A947-70E740481C1C}">
+                <a14:useLocalDpi xmlns:a14="http://schemas.microsoft.com/office/drawing/2010/main" val="0"/>
+              </a:ext>
+            </a:extLst>
+          </a:blip>
+          <a:srcRect/>
+          <a:stretch>
+            <a:fillRect/>
+          </a:stretch>
+        </p:blipFill>
+        <p:spPr bwMode="auto">
+          <a:xfrm>
+            <a:off x="5956613" y="2783381"/>
+            <a:ext cx="5486400" cy="4572000"/>
+          </a:xfrm>
+          <a:prstGeom prst="rect">
+            <a:avLst/>
+          </a:prstGeom>
+          <a:noFill/>
+          <a:extLst>
+            <a:ext uri="{909E8E84-426E-40DD-AFC4-6F175D3DCCD1}">
+              <a14:hiddenFill xmlns:a14="http://schemas.microsoft.com/office/drawing/2010/main">
+                <a:solidFill>
+                  <a:srgbClr val="FFFFFF"/>
+                </a:solidFill>
+              </a14:hiddenFill>
+            </a:ext>
+          </a:extLst>
+        </p:spPr>
+      </p:pic>
+      <p:sp>
+        <p:nvSpPr>
+          <p:cNvPr id="5" name="TextBox 4">
+            <a:extLst>
+              <a:ext uri="{FF2B5EF4-FFF2-40B4-BE49-F238E27FC236}">
+                <a16:creationId xmlns:a16="http://schemas.microsoft.com/office/drawing/2014/main" id="{16F03F35-8724-9C2B-27A9-9E9ED0B6A7EC}"/>
+              </a:ext>
+            </a:extLst>
+          </p:cNvPr>
+          <p:cNvSpPr txBox="1"/>
+          <p:nvPr/>
+        </p:nvSpPr>
+        <p:spPr>
+          <a:xfrm>
+            <a:off x="3048000" y="7608253"/>
+            <a:ext cx="13106400" cy="461665"/>
+          </a:xfrm>
+          <a:prstGeom prst="rect">
+            <a:avLst/>
+          </a:prstGeom>
+          <a:noFill/>
+        </p:spPr>
+        <p:txBody>
+          <a:bodyPr wrap="square" rtlCol="0">
+            <a:spAutoFit/>
+          </a:bodyPr>
+          <a:lstStyle/>
+          <a:p>
+            <a:r>
+              <a:rPr lang="en-IN" sz="2400" b="1" dirty="0"/>
+              <a:t>Click the image above to watch the demo video (use VLC media player to avoid any playback issues).</a:t>
+            </a:r>
+            <a:endParaRPr lang="en-IN" sz="2400" dirty="0"/>
+          </a:p>
+        </p:txBody>
+      </p:sp>
+    </p:spTree>
+    <p:extLst>
+      <p:ext uri="{BB962C8B-B14F-4D97-AF65-F5344CB8AC3E}">
+        <p14:creationId xmlns:p14="http://schemas.microsoft.com/office/powerpoint/2010/main" val="2430205876"/>
+      </p:ext>
+    </p:extLst>
+  </p:cSld>
+  <p:clrMapOvr>
+    <a:masterClrMapping/>
+  </p:clrMapOvr>
+</p:sld>
+</file>
+
+<file path=ppt/slides/slide9.xml><?xml version="1.0" encoding="utf-8"?>
+<p:sld xmlns:a="http://schemas.openxmlformats.org/drawingml/2006/main" xmlns:r="http://schemas.openxmlformats.org/officeDocument/2006/relationships" xmlns:p="http://schemas.openxmlformats.org/presentationml/2006/main">
+  <p:cSld>
+    <p:spTree>
+      <p:nvGrpSpPr>
         <p:cNvPr id="1" name=""/>
         <p:cNvGrpSpPr/>
         <p:nvPr/>
@@ -23658,6 +24592,13 @@
             </a:stretch>
           </a:blipFill>
         </p:spPr>
+        <p:txBody>
+          <a:bodyPr/>
+          <a:lstStyle/>
+          <a:p>
+            <a:endParaRPr lang="en-US"/>
+          </a:p>
+        </p:txBody>
       </p:sp>
       <p:sp>
         <p:nvSpPr>
@@ -23704,6 +24645,13 @@
             </a:stretch>
           </a:blipFill>
         </p:spPr>
+        <p:txBody>
+          <a:bodyPr/>
+          <a:lstStyle/>
+          <a:p>
+            <a:endParaRPr lang="en-US"/>
+          </a:p>
+        </p:txBody>
       </p:sp>
       <p:sp>
         <p:nvSpPr>
@@ -23750,6 +24698,13 @@
             </a:stretch>
           </a:blipFill>
         </p:spPr>
+        <p:txBody>
+          <a:bodyPr/>
+          <a:lstStyle/>
+          <a:p>
+            <a:endParaRPr lang="en-US"/>
+          </a:p>
+        </p:txBody>
       </p:sp>
       <p:sp>
         <p:nvSpPr>
@@ -23787,7 +24742,7 @@
                 <a:cs typeface="Poppins Semi-Bold" panose="00000700000000000000"/>
                 <a:sym typeface="Poppins Semi-Bold" panose="00000700000000000000"/>
               </a:rPr>
-              <a:t>Page 08</a:t>
+              <a:t>Page 09</a:t>
             </a:r>
           </a:p>
         </p:txBody>
@@ -23915,7 +24870,21 @@
                 <a:latin typeface="Calibri" panose="020F0502020204030204" pitchFamily="34" charset="0"/>
                 <a:cs typeface="Calibri" panose="020F0502020204030204" pitchFamily="34" charset="0"/>
               </a:rPr>
-              <a:t>• Sends email notifications to absentees, improving communication.</a:t>
+              <a:t>• Sends </a:t>
+            </a:r>
+            <a:r>
+              <a:rPr lang="en-IN" sz="4000" b="1" dirty="0">
+                <a:latin typeface="Calibri" panose="020F0502020204030204" pitchFamily="34" charset="0"/>
+                <a:cs typeface="Calibri" panose="020F0502020204030204" pitchFamily="34" charset="0"/>
+              </a:rPr>
+              <a:t>email notifications </a:t>
+            </a:r>
+            <a:r>
+              <a:rPr lang="en-IN" sz="4000" dirty="0">
+                <a:latin typeface="Calibri" panose="020F0502020204030204" pitchFamily="34" charset="0"/>
+                <a:cs typeface="Calibri" panose="020F0502020204030204" pitchFamily="34" charset="0"/>
+              </a:rPr>
+              <a:t>to absentees, improving communication.</a:t>
             </a:r>
           </a:p>
           <a:p>
@@ -23924,7 +24893,21 @@
                 <a:latin typeface="Calibri" panose="020F0502020204030204" pitchFamily="34" charset="0"/>
                 <a:cs typeface="Calibri" panose="020F0502020204030204" pitchFamily="34" charset="0"/>
               </a:rPr>
-              <a:t>• Enforces a cutoff time to ensure timely attendance.</a:t>
+              <a:t>• Enforces a </a:t>
+            </a:r>
+            <a:r>
+              <a:rPr lang="en-IN" sz="4000" b="1" dirty="0">
+                <a:latin typeface="Calibri" panose="020F0502020204030204" pitchFamily="34" charset="0"/>
+                <a:cs typeface="Calibri" panose="020F0502020204030204" pitchFamily="34" charset="0"/>
+              </a:rPr>
+              <a:t>cutoff time </a:t>
+            </a:r>
+            <a:r>
+              <a:rPr lang="en-IN" sz="4000" dirty="0">
+                <a:latin typeface="Calibri" panose="020F0502020204030204" pitchFamily="34" charset="0"/>
+                <a:cs typeface="Calibri" panose="020F0502020204030204" pitchFamily="34" charset="0"/>
+              </a:rPr>
+              <a:t>to ensure timely attendance.</a:t>
             </a:r>
           </a:p>
           <a:p>
@@ -23984,332 +24967,6 @@
         </p:spPr>
       </p:pic>
     </p:spTree>
-  </p:cSld>
-  <p:clrMapOvr>
-    <a:masterClrMapping/>
-  </p:clrMapOvr>
-</p:sld>
-</file>
-
-<file path=ppt/slides/slide9.xml><?xml version="1.0" encoding="utf-8"?>
-<p:sld xmlns:a="http://schemas.openxmlformats.org/drawingml/2006/main" xmlns:r="http://schemas.openxmlformats.org/officeDocument/2006/relationships" xmlns:p="http://schemas.openxmlformats.org/presentationml/2006/main">
-  <p:cSld>
-    <p:spTree>
-      <p:nvGrpSpPr>
-        <p:cNvPr id="1" name="">
-          <a:extLst>
-            <a:ext uri="{FF2B5EF4-FFF2-40B4-BE49-F238E27FC236}">
-              <a16:creationId xmlns:a16="http://schemas.microsoft.com/office/drawing/2014/main" id="{DE28DDA2-EEC4-404B-9C89-5C059C0B45C2}"/>
-            </a:ext>
-          </a:extLst>
-        </p:cNvPr>
-        <p:cNvGrpSpPr/>
-        <p:nvPr/>
-      </p:nvGrpSpPr>
-      <p:grpSpPr>
-        <a:xfrm>
-          <a:off x="0" y="0"/>
-          <a:ext cx="0" cy="0"/>
-          <a:chOff x="0" y="0"/>
-          <a:chExt cx="0" cy="0"/>
-        </a:xfrm>
-      </p:grpSpPr>
-      <p:sp>
-        <p:nvSpPr>
-          <p:cNvPr id="2" name="Freeform 2">
-            <a:extLst>
-              <a:ext uri="{FF2B5EF4-FFF2-40B4-BE49-F238E27FC236}">
-                <a16:creationId xmlns:a16="http://schemas.microsoft.com/office/drawing/2014/main" id="{D769B348-217E-E797-130C-F16F25B8538B}"/>
-              </a:ext>
-            </a:extLst>
-          </p:cNvPr>
-          <p:cNvSpPr/>
-          <p:nvPr/>
-        </p:nvSpPr>
-        <p:spPr>
-          <a:xfrm>
-            <a:off x="0" y="0"/>
-            <a:ext cx="18288000" cy="10287000"/>
-          </a:xfrm>
-          <a:custGeom>
-            <a:avLst/>
-            <a:gdLst/>
-            <a:ahLst/>
-            <a:cxnLst/>
-            <a:rect l="l" t="t" r="r" b="b"/>
-            <a:pathLst>
-              <a:path w="18288000" h="10287000">
-                <a:moveTo>
-                  <a:pt x="0" y="0"/>
-                </a:moveTo>
-                <a:lnTo>
-                  <a:pt x="18288000" y="0"/>
-                </a:lnTo>
-                <a:lnTo>
-                  <a:pt x="18288000" y="10287000"/>
-                </a:lnTo>
-                <a:lnTo>
-                  <a:pt x="0" y="10287000"/>
-                </a:lnTo>
-                <a:lnTo>
-                  <a:pt x="0" y="0"/>
-                </a:lnTo>
-                <a:close/>
-              </a:path>
-            </a:pathLst>
-          </a:custGeom>
-          <a:blipFill>
-            <a:blip r:embed="rId2"/>
-            <a:stretch>
-              <a:fillRect t="-38888" b="-38888"/>
-            </a:stretch>
-          </a:blipFill>
-        </p:spPr>
-      </p:sp>
-      <p:sp>
-        <p:nvSpPr>
-          <p:cNvPr id="3" name="Freeform 3">
-            <a:extLst>
-              <a:ext uri="{FF2B5EF4-FFF2-40B4-BE49-F238E27FC236}">
-                <a16:creationId xmlns:a16="http://schemas.microsoft.com/office/drawing/2014/main" id="{0A1B59B5-DE04-79DE-08FF-3F7FB02024BE}"/>
-              </a:ext>
-            </a:extLst>
-          </p:cNvPr>
-          <p:cNvSpPr/>
-          <p:nvPr/>
-        </p:nvSpPr>
-        <p:spPr>
-          <a:xfrm>
-            <a:off x="15910982" y="463512"/>
-            <a:ext cx="2113659" cy="1009272"/>
-          </a:xfrm>
-          <a:custGeom>
-            <a:avLst/>
-            <a:gdLst/>
-            <a:ahLst/>
-            <a:cxnLst/>
-            <a:rect l="l" t="t" r="r" b="b"/>
-            <a:pathLst>
-              <a:path w="2113659" h="1009272">
-                <a:moveTo>
-                  <a:pt x="0" y="0"/>
-                </a:moveTo>
-                <a:lnTo>
-                  <a:pt x="2113659" y="0"/>
-                </a:lnTo>
-                <a:lnTo>
-                  <a:pt x="2113659" y="1009272"/>
-                </a:lnTo>
-                <a:lnTo>
-                  <a:pt x="0" y="1009272"/>
-                </a:lnTo>
-                <a:lnTo>
-                  <a:pt x="0" y="0"/>
-                </a:lnTo>
-                <a:close/>
-              </a:path>
-            </a:pathLst>
-          </a:custGeom>
-          <a:blipFill>
-            <a:blip r:embed="rId3"/>
-            <a:stretch>
-              <a:fillRect/>
-            </a:stretch>
-          </a:blipFill>
-        </p:spPr>
-      </p:sp>
-      <p:sp>
-        <p:nvSpPr>
-          <p:cNvPr id="4" name="Freeform 4">
-            <a:extLst>
-              <a:ext uri="{FF2B5EF4-FFF2-40B4-BE49-F238E27FC236}">
-                <a16:creationId xmlns:a16="http://schemas.microsoft.com/office/drawing/2014/main" id="{EB91F71E-1447-CAB0-8AD2-50F844B93928}"/>
-              </a:ext>
-            </a:extLst>
-          </p:cNvPr>
-          <p:cNvSpPr/>
-          <p:nvPr/>
-        </p:nvSpPr>
-        <p:spPr>
-          <a:xfrm>
-            <a:off x="45723" y="9692353"/>
-            <a:ext cx="18242277" cy="594647"/>
-          </a:xfrm>
-          <a:custGeom>
-            <a:avLst/>
-            <a:gdLst/>
-            <a:ahLst/>
-            <a:cxnLst/>
-            <a:rect l="l" t="t" r="r" b="b"/>
-            <a:pathLst>
-              <a:path w="18242277" h="594647">
-                <a:moveTo>
-                  <a:pt x="0" y="0"/>
-                </a:moveTo>
-                <a:lnTo>
-                  <a:pt x="18242277" y="0"/>
-                </a:lnTo>
-                <a:lnTo>
-                  <a:pt x="18242277" y="594647"/>
-                </a:lnTo>
-                <a:lnTo>
-                  <a:pt x="0" y="594647"/>
-                </a:lnTo>
-                <a:lnTo>
-                  <a:pt x="0" y="0"/>
-                </a:lnTo>
-                <a:close/>
-              </a:path>
-            </a:pathLst>
-          </a:custGeom>
-          <a:blipFill>
-            <a:blip r:embed="rId4"/>
-            <a:stretch>
-              <a:fillRect b="-34214"/>
-            </a:stretch>
-          </a:blipFill>
-        </p:spPr>
-      </p:sp>
-      <p:sp>
-        <p:nvSpPr>
-          <p:cNvPr id="6" name="TextBox 6">
-            <a:extLst>
-              <a:ext uri="{FF2B5EF4-FFF2-40B4-BE49-F238E27FC236}">
-                <a16:creationId xmlns:a16="http://schemas.microsoft.com/office/drawing/2014/main" id="{035FE579-3280-DBFE-563B-88240D03C63D}"/>
-              </a:ext>
-            </a:extLst>
-          </p:cNvPr>
-          <p:cNvSpPr txBox="1"/>
-          <p:nvPr/>
-        </p:nvSpPr>
-        <p:spPr>
-          <a:xfrm>
-            <a:off x="16666900" y="9794298"/>
-            <a:ext cx="1621100" cy="333608"/>
-          </a:xfrm>
-          <a:prstGeom prst="rect">
-            <a:avLst/>
-          </a:prstGeom>
-        </p:spPr>
-        <p:txBody>
-          <a:bodyPr lIns="0" tIns="0" rIns="0" bIns="0" rtlCol="0" anchor="t">
-            <a:spAutoFit/>
-          </a:bodyPr>
-          <a:lstStyle/>
-          <a:p>
-            <a:pPr algn="l">
-              <a:lnSpc>
-                <a:spcPts val="2610"/>
-              </a:lnSpc>
-            </a:pPr>
-            <a:r>
-              <a:rPr lang="en-US" sz="1865" b="1">
-                <a:solidFill>
-                  <a:srgbClr val="F4E9EC"/>
-                </a:solidFill>
-                <a:latin typeface="Poppins Semi-Bold" panose="00000700000000000000"/>
-                <a:ea typeface="Poppins Semi-Bold" panose="00000700000000000000"/>
-                <a:cs typeface="Poppins Semi-Bold" panose="00000700000000000000"/>
-                <a:sym typeface="Poppins Semi-Bold" panose="00000700000000000000"/>
-              </a:rPr>
-              <a:t>Page 09</a:t>
-            </a:r>
-          </a:p>
-        </p:txBody>
-      </p:sp>
-      <p:sp>
-        <p:nvSpPr>
-          <p:cNvPr id="8" name="TextBox 8">
-            <a:extLst>
-              <a:ext uri="{FF2B5EF4-FFF2-40B4-BE49-F238E27FC236}">
-                <a16:creationId xmlns:a16="http://schemas.microsoft.com/office/drawing/2014/main" id="{2F8DB6AF-DB31-9CC8-0080-6D6DD0BEA309}"/>
-              </a:ext>
-            </a:extLst>
-          </p:cNvPr>
-          <p:cNvSpPr txBox="1"/>
-          <p:nvPr/>
-        </p:nvSpPr>
-        <p:spPr>
-          <a:xfrm>
-            <a:off x="3895355" y="9794298"/>
-            <a:ext cx="10491193" cy="333608"/>
-          </a:xfrm>
-          <a:prstGeom prst="rect">
-            <a:avLst/>
-          </a:prstGeom>
-        </p:spPr>
-        <p:txBody>
-          <a:bodyPr lIns="0" tIns="0" rIns="0" bIns="0" rtlCol="0" anchor="t">
-            <a:spAutoFit/>
-          </a:bodyPr>
-          <a:lstStyle/>
-          <a:p>
-            <a:pPr algn="ctr">
-              <a:lnSpc>
-                <a:spcPts val="2610"/>
-              </a:lnSpc>
-              <a:spcBef>
-                <a:spcPct val="0"/>
-              </a:spcBef>
-            </a:pPr>
-            <a:r>
-              <a:rPr lang="en-US" sz="1865" b="1">
-                <a:solidFill>
-                  <a:srgbClr val="F4E9EC"/>
-                </a:solidFill>
-                <a:latin typeface="Poppins Semi-Bold" panose="00000700000000000000"/>
-                <a:ea typeface="Poppins Semi-Bold" panose="00000700000000000000"/>
-                <a:cs typeface="Poppins Semi-Bold" panose="00000700000000000000"/>
-                <a:sym typeface="Poppins Semi-Bold" panose="00000700000000000000"/>
-              </a:rPr>
-              <a:t>Sri Indu College of Engg &amp; Tech - Cyber Club, Department of Cyber Security</a:t>
-            </a:r>
-          </a:p>
-        </p:txBody>
-      </p:sp>
-      <p:sp>
-        <p:nvSpPr>
-          <p:cNvPr id="5" name="TextBox 4">
-            <a:extLst>
-              <a:ext uri="{FF2B5EF4-FFF2-40B4-BE49-F238E27FC236}">
-                <a16:creationId xmlns:a16="http://schemas.microsoft.com/office/drawing/2014/main" id="{FA89ED80-F007-5671-1298-FA5E9934F044}"/>
-              </a:ext>
-            </a:extLst>
-          </p:cNvPr>
-          <p:cNvSpPr txBox="1"/>
-          <p:nvPr/>
-        </p:nvSpPr>
-        <p:spPr>
-          <a:xfrm>
-            <a:off x="3425951" y="3943171"/>
-            <a:ext cx="11430000" cy="2400657"/>
-          </a:xfrm>
-          <a:prstGeom prst="rect">
-            <a:avLst/>
-          </a:prstGeom>
-          <a:noFill/>
-        </p:spPr>
-        <p:txBody>
-          <a:bodyPr wrap="square" rtlCol="0">
-            <a:spAutoFit/>
-          </a:bodyPr>
-          <a:lstStyle/>
-          <a:p>
-            <a:r>
-              <a:rPr lang="en-US" sz="15000" dirty="0">
-                <a:latin typeface="Copperplate Gothic Bold" panose="020E0705020206020404" pitchFamily="34" charset="77"/>
-              </a:rPr>
-              <a:t>Thank You</a:t>
-            </a:r>
-          </a:p>
-        </p:txBody>
-      </p:sp>
-    </p:spTree>
-    <p:extLst>
-      <p:ext uri="{BB962C8B-B14F-4D97-AF65-F5344CB8AC3E}">
-        <p14:creationId xmlns:p14="http://schemas.microsoft.com/office/powerpoint/2010/main" val="3249463066"/>
-      </p:ext>
-    </p:extLst>
   </p:cSld>
   <p:clrMapOvr>
     <a:masterClrMapping/>
